--- a/bat-flowchart.pptx
+++ b/bat-flowchart.pptx
@@ -104,6 +104,11 @@
       </a:defRPr>
     </a:lvl9pPr>
   </p:defaultTextStyle>
+  <p:extLst>
+    <p:ext uri="{EFAFB233-063F-42B5-8137-9DF3F51BA10A}">
+      <p15:sldGuideLst xmlns:p15="http://schemas.microsoft.com/office/powerpoint/2012/main"/>
+    </p:ext>
+  </p:extLst>
 </p:presentation>
 </file>
 
@@ -6458,7 +6463,7 @@
           <a:p>
             <a:fld id="{EF2AEA53-E7AC-4999-A171-05E54226829B}" type="datetimeFigureOut">
               <a:rPr lang="en-US" smtClean="0"/>
-              <a:t>3/19/2024</a:t>
+              <a:t>3/26/2024</a:t>
             </a:fld>
             <a:endParaRPr lang="en-US"/>
           </a:p>
@@ -6656,7 +6661,7 @@
           <a:p>
             <a:fld id="{EF2AEA53-E7AC-4999-A171-05E54226829B}" type="datetimeFigureOut">
               <a:rPr lang="en-US" smtClean="0"/>
-              <a:t>3/19/2024</a:t>
+              <a:t>3/26/2024</a:t>
             </a:fld>
             <a:endParaRPr lang="en-US"/>
           </a:p>
@@ -6864,7 +6869,7 @@
           <a:p>
             <a:fld id="{EF2AEA53-E7AC-4999-A171-05E54226829B}" type="datetimeFigureOut">
               <a:rPr lang="en-US" smtClean="0"/>
-              <a:t>3/19/2024</a:t>
+              <a:t>3/26/2024</a:t>
             </a:fld>
             <a:endParaRPr lang="en-US"/>
           </a:p>
@@ -7062,7 +7067,7 @@
           <a:p>
             <a:fld id="{EF2AEA53-E7AC-4999-A171-05E54226829B}" type="datetimeFigureOut">
               <a:rPr lang="en-US" smtClean="0"/>
-              <a:t>3/19/2024</a:t>
+              <a:t>3/26/2024</a:t>
             </a:fld>
             <a:endParaRPr lang="en-US"/>
           </a:p>
@@ -7337,7 +7342,7 @@
           <a:p>
             <a:fld id="{EF2AEA53-E7AC-4999-A171-05E54226829B}" type="datetimeFigureOut">
               <a:rPr lang="en-US" smtClean="0"/>
-              <a:t>3/19/2024</a:t>
+              <a:t>3/26/2024</a:t>
             </a:fld>
             <a:endParaRPr lang="en-US"/>
           </a:p>
@@ -7602,7 +7607,7 @@
           <a:p>
             <a:fld id="{EF2AEA53-E7AC-4999-A171-05E54226829B}" type="datetimeFigureOut">
               <a:rPr lang="en-US" smtClean="0"/>
-              <a:t>3/19/2024</a:t>
+              <a:t>3/26/2024</a:t>
             </a:fld>
             <a:endParaRPr lang="en-US"/>
           </a:p>
@@ -8014,7 +8019,7 @@
           <a:p>
             <a:fld id="{EF2AEA53-E7AC-4999-A171-05E54226829B}" type="datetimeFigureOut">
               <a:rPr lang="en-US" smtClean="0"/>
-              <a:t>3/19/2024</a:t>
+              <a:t>3/26/2024</a:t>
             </a:fld>
             <a:endParaRPr lang="en-US"/>
           </a:p>
@@ -8155,7 +8160,7 @@
           <a:p>
             <a:fld id="{EF2AEA53-E7AC-4999-A171-05E54226829B}" type="datetimeFigureOut">
               <a:rPr lang="en-US" smtClean="0"/>
-              <a:t>3/19/2024</a:t>
+              <a:t>3/26/2024</a:t>
             </a:fld>
             <a:endParaRPr lang="en-US"/>
           </a:p>
@@ -8268,7 +8273,7 @@
           <a:p>
             <a:fld id="{EF2AEA53-E7AC-4999-A171-05E54226829B}" type="datetimeFigureOut">
               <a:rPr lang="en-US" smtClean="0"/>
-              <a:t>3/19/2024</a:t>
+              <a:t>3/26/2024</a:t>
             </a:fld>
             <a:endParaRPr lang="en-US"/>
           </a:p>
@@ -8579,7 +8584,7 @@
           <a:p>
             <a:fld id="{EF2AEA53-E7AC-4999-A171-05E54226829B}" type="datetimeFigureOut">
               <a:rPr lang="en-US" smtClean="0"/>
-              <a:t>3/19/2024</a:t>
+              <a:t>3/26/2024</a:t>
             </a:fld>
             <a:endParaRPr lang="en-US"/>
           </a:p>
@@ -8867,7 +8872,7 @@
           <a:p>
             <a:fld id="{EF2AEA53-E7AC-4999-A171-05E54226829B}" type="datetimeFigureOut">
               <a:rPr lang="en-US" smtClean="0"/>
-              <a:t>3/19/2024</a:t>
+              <a:t>3/26/2024</a:t>
             </a:fld>
             <a:endParaRPr lang="en-US"/>
           </a:p>
@@ -9108,7 +9113,7 @@
           <a:p>
             <a:fld id="{EF2AEA53-E7AC-4999-A171-05E54226829B}" type="datetimeFigureOut">
               <a:rPr lang="en-US" smtClean="0"/>
-              <a:t>3/19/2024</a:t>
+              <a:t>3/26/2024</a:t>
             </a:fld>
             <a:endParaRPr lang="en-US"/>
           </a:p>
@@ -9538,7 +9543,7 @@
           <p:nvPr>
             <p:extLst>
               <p:ext uri="{D42A27DB-BD31-4B8C-83A1-F6EECF244321}">
-                <p14:modId xmlns:p14="http://schemas.microsoft.com/office/powerpoint/2010/main" val="1448880220"/>
+                <p14:modId xmlns:p14="http://schemas.microsoft.com/office/powerpoint/2010/main" val="841894288"/>
               </p:ext>
             </p:extLst>
           </p:nvPr>
@@ -9587,6 +9592,138 @@
                 <a:cs typeface="Arial" panose="020B0604020202020204" pitchFamily="34" charset="0"/>
               </a:rPr>
               <a:t>BLAST-ALIGN-TREE</a:t>
+            </a:r>
+          </a:p>
+        </p:txBody>
+      </p:sp>
+      <p:sp>
+        <p:nvSpPr>
+          <p:cNvPr id="2" name="TextBox 1">
+            <a:extLst>
+              <a:ext uri="{FF2B5EF4-FFF2-40B4-BE49-F238E27FC236}">
+                <a16:creationId xmlns:a16="http://schemas.microsoft.com/office/drawing/2014/main" id="{DD212F3C-679B-26C0-681F-749A1D8B3CF9}"/>
+              </a:ext>
+            </a:extLst>
+          </p:cNvPr>
+          <p:cNvSpPr txBox="1"/>
+          <p:nvPr/>
+        </p:nvSpPr>
+        <p:spPr>
+          <a:xfrm>
+            <a:off x="8602727" y="2651511"/>
+            <a:ext cx="1265090" cy="861774"/>
+          </a:xfrm>
+          <a:prstGeom prst="rect">
+            <a:avLst/>
+          </a:prstGeom>
+          <a:noFill/>
+          <a:ln>
+            <a:solidFill>
+              <a:schemeClr val="accent1"/>
+            </a:solidFill>
+          </a:ln>
+        </p:spPr>
+        <p:txBody>
+          <a:bodyPr wrap="none" rtlCol="0">
+            <a:spAutoFit/>
+          </a:bodyPr>
+          <a:lstStyle/>
+          <a:p>
+            <a:r>
+              <a:rPr lang="en-US" sz="1000" b="1" dirty="0" err="1">
+                <a:solidFill>
+                  <a:srgbClr val="FF0000"/>
+                </a:solidFill>
+                <a:latin typeface="Arial" panose="020B0604020202020204" pitchFamily="34" charset="0"/>
+                <a:cs typeface="Arial" panose="020B0604020202020204" pitchFamily="34" charset="0"/>
+              </a:rPr>
+              <a:t>Biopython</a:t>
+            </a:r>
+            <a:r>
+              <a:rPr lang="en-US" sz="1000" b="1" dirty="0">
+                <a:solidFill>
+                  <a:srgbClr val="FF0000"/>
+                </a:solidFill>
+                <a:latin typeface="Arial" panose="020B0604020202020204" pitchFamily="34" charset="0"/>
+                <a:cs typeface="Arial" panose="020B0604020202020204" pitchFamily="34" charset="0"/>
+              </a:rPr>
+              <a:t> script</a:t>
+            </a:r>
+          </a:p>
+          <a:p>
+            <a:r>
+              <a:rPr lang="en-US" sz="1000" b="1" dirty="0" err="1">
+                <a:solidFill>
+                  <a:schemeClr val="accent4">
+                    <a:lumMod val="75000"/>
+                  </a:schemeClr>
+                </a:solidFill>
+                <a:latin typeface="Arial" panose="020B0604020202020204" pitchFamily="34" charset="0"/>
+                <a:cs typeface="Arial" panose="020B0604020202020204" pitchFamily="34" charset="0"/>
+              </a:rPr>
+              <a:t>ggtree</a:t>
+            </a:r>
+            <a:r>
+              <a:rPr lang="en-US" sz="1000" b="1" dirty="0">
+                <a:solidFill>
+                  <a:schemeClr val="accent4">
+                    <a:lumMod val="75000"/>
+                  </a:schemeClr>
+                </a:solidFill>
+                <a:latin typeface="Arial" panose="020B0604020202020204" pitchFamily="34" charset="0"/>
+                <a:cs typeface="Arial" panose="020B0604020202020204" pitchFamily="34" charset="0"/>
+              </a:rPr>
+              <a:t> script</a:t>
+            </a:r>
+          </a:p>
+          <a:p>
+            <a:r>
+              <a:rPr lang="en-US" sz="1000" b="1" dirty="0">
+                <a:solidFill>
+                  <a:srgbClr val="7030A0"/>
+                </a:solidFill>
+                <a:latin typeface="Arial" panose="020B0604020202020204" pitchFamily="34" charset="0"/>
+                <a:cs typeface="Arial" panose="020B0604020202020204" pitchFamily="34" charset="0"/>
+              </a:rPr>
+              <a:t>Other software</a:t>
+            </a:r>
+          </a:p>
+          <a:p>
+            <a:r>
+              <a:rPr lang="en-US" sz="1000" b="1" dirty="0">
+                <a:solidFill>
+                  <a:schemeClr val="accent1"/>
+                </a:solidFill>
+                <a:latin typeface="Arial" panose="020B0604020202020204" pitchFamily="34" charset="0"/>
+                <a:cs typeface="Arial" panose="020B0604020202020204" pitchFamily="34" charset="0"/>
+              </a:rPr>
+              <a:t>Output file</a:t>
+            </a:r>
+          </a:p>
+          <a:p>
+            <a:r>
+              <a:rPr lang="en-US" sz="1000" b="1" dirty="0" err="1">
+                <a:solidFill>
+                  <a:schemeClr val="accent6">
+                    <a:lumMod val="75000"/>
+                  </a:schemeClr>
+                </a:solidFill>
+                <a:latin typeface="Arial" panose="020B0604020202020204" pitchFamily="34" charset="0"/>
+                <a:cs typeface="Arial" panose="020B0604020202020204" pitchFamily="34" charset="0"/>
+              </a:rPr>
+              <a:t>Argparse</a:t>
+            </a:r>
+            <a:r>
+              <a:rPr lang="en-US" sz="1000" b="1" dirty="0">
+                <a:solidFill>
+                  <a:schemeClr val="accent6">
+                    <a:lumMod val="75000"/>
+                  </a:schemeClr>
+                </a:solidFill>
+                <a:latin typeface="Arial" panose="020B0604020202020204" pitchFamily="34" charset="0"/>
+                <a:cs typeface="Arial" panose="020B0604020202020204" pitchFamily="34" charset="0"/>
+              </a:rPr>
+              <a:t> Options</a:t>
             </a:r>
           </a:p>
         </p:txBody>
